--- a/doc/高级软件工程中期答辩-第六组.pptx
+++ b/doc/高级软件工程中期答辩-第六组.pptx
@@ -4465,8 +4465,8 @@
     <dgm:cxn modelId="{8ECEADA3-C94D-449D-870C-6B75FF1028CE}" srcId="{A92D798B-F514-4C55-9637-4ECD7BC618AD}" destId="{44E8B082-45DE-4A7F-A9F8-53876133B0D6}" srcOrd="0" destOrd="0" parTransId="{B162AAEE-0187-4161-83E1-503EB3717844}" sibTransId="{A484B21F-1807-4F86-8D1E-82F2DDAE378C}"/>
     <dgm:cxn modelId="{B602405C-175D-402B-A0CB-743B528C1A38}" srcId="{7E8238E3-0F58-4E66-BA3B-9DB6BE6DD35F}" destId="{7B5AE738-93C7-43C8-9DB6-5F01C0495DE4}" srcOrd="0" destOrd="0" parTransId="{E82CA1AC-9DD4-4F43-B8BE-187C5E36B814}" sibTransId="{0A42F8B8-4764-4BB2-B0E7-5D5E32EC3C23}"/>
     <dgm:cxn modelId="{41C3157F-A396-4250-9D3B-105C9D9E99ED}" type="presOf" srcId="{07F363F8-5443-4D43-B030-85B1BD2F4B99}" destId="{8D87B9EB-96F2-4066-86EF-89D7AFAEA69E}" srcOrd="0" destOrd="0" presId="urn:microsoft.com/office/officeart/2005/8/layout/hProcess4"/>
+    <dgm:cxn modelId="{23B2EA90-11A0-4D51-9D62-BE3811D0FE7B}" type="presOf" srcId="{D4E36BDB-ED9C-4A17-9C54-DDAABEBAA0C4}" destId="{8D87B9EB-96F2-4066-86EF-89D7AFAEA69E}" srcOrd="0" destOrd="1" presId="urn:microsoft.com/office/officeart/2005/8/layout/hProcess4"/>
     <dgm:cxn modelId="{0CDADB9D-2801-4610-8E54-F93CC9F467E5}" type="presOf" srcId="{24FB25F8-45BC-48D7-81A5-26B010DA2BFF}" destId="{3A56968A-E0A1-4472-A81F-33AF83D89196}" srcOrd="0" destOrd="2" presId="urn:microsoft.com/office/officeart/2005/8/layout/hProcess4"/>
-    <dgm:cxn modelId="{23B2EA90-11A0-4D51-9D62-BE3811D0FE7B}" type="presOf" srcId="{D4E36BDB-ED9C-4A17-9C54-DDAABEBAA0C4}" destId="{8D87B9EB-96F2-4066-86EF-89D7AFAEA69E}" srcOrd="0" destOrd="1" presId="urn:microsoft.com/office/officeart/2005/8/layout/hProcess4"/>
     <dgm:cxn modelId="{2DB413D6-B94F-4A5E-B85C-D83EF1779C97}" type="presOf" srcId="{B6995644-517B-45D6-B7BA-085598E66BAD}" destId="{8D87B9EB-96F2-4066-86EF-89D7AFAEA69E}" srcOrd="0" destOrd="2" presId="urn:microsoft.com/office/officeart/2005/8/layout/hProcess4"/>
     <dgm:cxn modelId="{C411C1E2-CF30-4499-9F34-D122602686B2}" type="presOf" srcId="{CF04D485-6A79-4FD6-838C-B8BA629FA158}" destId="{1ABC0C0E-391E-48E1-B23C-66A1E1642A9F}" srcOrd="1" destOrd="1" presId="urn:microsoft.com/office/officeart/2005/8/layout/hProcess4"/>
     <dgm:cxn modelId="{A98B7099-8D83-457A-8583-A75AD8F981C1}" srcId="{50D1D4AE-6284-4639-B39D-7107C967DE93}" destId="{C8A37174-0025-4FA4-8310-71EA7A45CE57}" srcOrd="3" destOrd="0" parTransId="{C47DB275-1545-42D3-B983-423092B9EB68}" sibTransId="{54A267F7-F120-4590-9373-9A4CDD2FA6D6}"/>
@@ -29302,7 +29302,7 @@
         </p:nvSpPr>
         <p:spPr>
           <a:xfrm>
-            <a:off x="108000" y="260280"/>
+            <a:off x="323376" y="260280"/>
             <a:ext cx="8353080" cy="720360"/>
           </a:xfrm>
           <a:prstGeom prst="rect">
@@ -29699,7 +29699,7 @@
         </p:nvSpPr>
         <p:spPr>
           <a:xfrm>
-            <a:off x="108000" y="260280"/>
+            <a:off x="323376" y="260280"/>
             <a:ext cx="8353080" cy="720360"/>
           </a:xfrm>
           <a:prstGeom prst="rect">
@@ -29711,7 +29711,7 @@
           <a:lstStyle/>
           <a:p>
             <a:r>
-              <a:rPr lang="zh-CN" altLang="en-US" sz="3200">
+              <a:rPr lang="zh-CN" altLang="en-US" sz="3200" dirty="0">
                 <a:solidFill>
                   <a:srgbClr val="111111"/>
                 </a:solidFill>
@@ -29721,7 +29721,7 @@
               <a:t>用户行为分析</a:t>
             </a:r>
             <a:r>
-              <a:rPr lang="en-US" altLang="zh-CN" sz="3200">
+              <a:rPr lang="en-US" altLang="zh-CN" sz="3200" dirty="0">
                 <a:solidFill>
                   <a:srgbClr val="111111"/>
                 </a:solidFill>
@@ -29731,7 +29731,7 @@
               <a:t>-</a:t>
             </a:r>
             <a:r>
-              <a:rPr lang="zh-CN" altLang="en-US" sz="3200">
+              <a:rPr lang="zh-CN" altLang="en-US" sz="3200" dirty="0">
                 <a:solidFill>
                   <a:srgbClr val="111111"/>
                 </a:solidFill>
@@ -29741,7 +29741,7 @@
               <a:t>双人模式  </a:t>
             </a:r>
             <a:r>
-              <a:rPr lang="en-US" altLang="zh-CN" sz="2000">
+              <a:rPr lang="en-US" altLang="zh-CN" sz="2000" dirty="0">
                 <a:solidFill>
                   <a:srgbClr val="111111"/>
                 </a:solidFill>
@@ -29750,7 +29750,7 @@
               </a:rPr>
               <a:t>MEET</a:t>
             </a:r>
-            <a:endParaRPr>
+            <a:endParaRPr dirty="0">
               <a:solidFill>
                 <a:prstClr val="black"/>
               </a:solidFill>
@@ -30319,7 +30319,7 @@
         </p:nvSpPr>
         <p:spPr>
           <a:xfrm>
-            <a:off x="108000" y="260280"/>
+            <a:off x="323376" y="260280"/>
             <a:ext cx="8353080" cy="720360"/>
           </a:xfrm>
           <a:prstGeom prst="rect">
@@ -30331,7 +30331,7 @@
           <a:lstStyle/>
           <a:p>
             <a:r>
-              <a:rPr lang="zh-CN" altLang="en-US" sz="3200">
+              <a:rPr lang="zh-CN" altLang="en-US" sz="3200" dirty="0">
                 <a:solidFill>
                   <a:srgbClr val="111111"/>
                 </a:solidFill>
@@ -30341,7 +30341,7 @@
               <a:t>用户行为分析</a:t>
             </a:r>
             <a:r>
-              <a:rPr lang="en-US" altLang="zh-CN" sz="3200">
+              <a:rPr lang="en-US" altLang="zh-CN" sz="3200" dirty="0">
                 <a:solidFill>
                   <a:srgbClr val="111111"/>
                 </a:solidFill>
@@ -30351,7 +30351,7 @@
               <a:t>-</a:t>
             </a:r>
             <a:r>
-              <a:rPr lang="zh-CN" altLang="en-US" sz="3200">
+              <a:rPr lang="zh-CN" altLang="en-US" sz="3200" dirty="0">
                 <a:solidFill>
                   <a:srgbClr val="111111"/>
                 </a:solidFill>
@@ -30361,7 +30361,7 @@
               <a:t>界面  </a:t>
             </a:r>
             <a:r>
-              <a:rPr lang="en-US" altLang="zh-CN" sz="2000">
+              <a:rPr lang="en-US" altLang="zh-CN" sz="2000" dirty="0">
                 <a:solidFill>
                   <a:srgbClr val="111111"/>
                 </a:solidFill>
@@ -30370,7 +30370,7 @@
               </a:rPr>
               <a:t>MEET</a:t>
             </a:r>
-            <a:endParaRPr>
+            <a:endParaRPr dirty="0">
               <a:solidFill>
                 <a:prstClr val="black"/>
               </a:solidFill>
@@ -30627,7 +30627,9 @@
             <a:avLst/>
           </a:prstGeom>
           <a:ln>
-            <a:noFill/>
+            <a:solidFill>
+              <a:schemeClr val="tx1"/>
+            </a:solidFill>
           </a:ln>
         </p:spPr>
       </p:pic>
